--- a/poster/Determinants_powerpoint_10x7.5.pptx
+++ b/poster/Determinants_powerpoint_10x7.5.pptx
@@ -5,9 +5,10 @@
     <p:sldMasterId id="2147483648" r:id="rId1"/>
   </p:sldMasterIdLst>
   <p:sldIdLst>
-    <p:sldId id="256" r:id="rId2"/>
-    <p:sldId id="257" r:id="rId3"/>
-    <p:sldId id="258" r:id="rId4"/>
+    <p:sldId id="259" r:id="rId2"/>
+    <p:sldId id="256" r:id="rId3"/>
+    <p:sldId id="257" r:id="rId4"/>
+    <p:sldId id="258" r:id="rId5"/>
   </p:sldIdLst>
   <p:sldSz cx="12192000" cy="6858000"/>
   <p:notesSz cx="6858000" cy="9144000"/>
@@ -2971,6 +2972,137 @@
           <a:chExt cx="0" cy="0"/>
         </a:xfrm>
       </p:grpSpPr>
+      <p:sp>
+        <p:nvSpPr>
+          <p:cNvPr id="6" name="TextBox 5"/>
+          <p:cNvSpPr txBox="1"/>
+          <p:nvPr/>
+        </p:nvSpPr>
+        <p:spPr>
+          <a:xfrm>
+            <a:off x="1075129" y="4934535"/>
+            <a:ext cx="5625523" cy="646331"/>
+          </a:xfrm>
+          <a:prstGeom prst="rect">
+            <a:avLst/>
+          </a:prstGeom>
+          <a:noFill/>
+        </p:spPr>
+        <p:txBody>
+          <a:bodyPr wrap="square" rtlCol="0">
+            <a:spAutoFit/>
+          </a:bodyPr>
+          <a:lstStyle/>
+          <a:p>
+            <a:r>
+              <a:rPr lang="en-US" dirty="0">
+                <a:solidFill>
+                  <a:schemeClr val="tx1">
+                    <a:alpha val="50000"/>
+                  </a:schemeClr>
+                </a:solidFill>
+              </a:rPr>
+              <a:t>617-803-7043, </a:t>
+            </a:r>
+            <a:r>
+              <a:rPr lang="en-US" dirty="0" err="1" smtClean="0">
+                <a:solidFill>
+                  <a:schemeClr val="tx1">
+                    <a:alpha val="50000"/>
+                  </a:schemeClr>
+                </a:solidFill>
+              </a:rPr>
+              <a:t>info@goinvo.com</a:t>
+            </a:r>
+            <a:endParaRPr lang="en-US" dirty="0" smtClean="0">
+              <a:solidFill>
+                <a:schemeClr val="tx1">
+                  <a:alpha val="50000"/>
+                </a:schemeClr>
+              </a:solidFill>
+            </a:endParaRPr>
+          </a:p>
+          <a:p>
+            <a:r>
+              <a:rPr lang="en-US" dirty="0" smtClean="0">
+                <a:solidFill>
+                  <a:schemeClr val="tx1">
+                    <a:alpha val="50000"/>
+                  </a:schemeClr>
+                </a:solidFill>
+              </a:rPr>
+              <a:t>661 Massachusetts Ave, Third Floor, Arlington, MA 02476</a:t>
+            </a:r>
+            <a:endParaRPr lang="en-US" dirty="0">
+              <a:solidFill>
+                <a:schemeClr val="tx1">
+                  <a:alpha val="50000"/>
+                </a:schemeClr>
+              </a:solidFill>
+            </a:endParaRPr>
+          </a:p>
+        </p:txBody>
+      </p:sp>
+      <p:pic>
+        <p:nvPicPr>
+          <p:cNvPr id="7" name="Picture 6"/>
+          <p:cNvPicPr>
+            <a:picLocks noChangeAspect="1"/>
+          </p:cNvPicPr>
+          <p:nvPr/>
+        </p:nvPicPr>
+        <p:blipFill>
+          <a:blip r:embed="rId2">
+            <a:extLst>
+              <a:ext uri="{28A0092B-C50C-407E-A947-70E740481C1C}">
+                <a14:useLocalDpi xmlns:a14="http://schemas.microsoft.com/office/drawing/2010/main" val="0"/>
+              </a:ext>
+            </a:extLst>
+          </a:blip>
+          <a:stretch>
+            <a:fillRect/>
+          </a:stretch>
+        </p:blipFill>
+        <p:spPr>
+          <a:xfrm>
+            <a:off x="1075130" y="3688387"/>
+            <a:ext cx="5012911" cy="891624"/>
+          </a:xfrm>
+          <a:prstGeom prst="rect">
+            <a:avLst/>
+          </a:prstGeom>
+        </p:spPr>
+      </p:pic>
+    </p:spTree>
+    <p:extLst>
+      <p:ext uri="{BB962C8B-B14F-4D97-AF65-F5344CB8AC3E}">
+        <p14:creationId xmlns:p14="http://schemas.microsoft.com/office/powerpoint/2010/main" val="1502723630"/>
+      </p:ext>
+    </p:extLst>
+  </p:cSld>
+  <p:clrMapOvr>
+    <a:masterClrMapping/>
+  </p:clrMapOvr>
+</p:sld>
+</file>
+
+<file path=ppt/slides/slide2.xml><?xml version="1.0" encoding="utf-8"?>
+<p:sld xmlns:a="http://schemas.openxmlformats.org/drawingml/2006/main" xmlns:r="http://schemas.openxmlformats.org/officeDocument/2006/relationships" xmlns:p="http://schemas.openxmlformats.org/presentationml/2006/main">
+  <p:cSld>
+    <p:spTree>
+      <p:nvGrpSpPr>
+        <p:cNvPr id="1" name=""/>
+        <p:cNvGrpSpPr/>
+        <p:nvPr/>
+      </p:nvGrpSpPr>
+      <p:grpSpPr>
+        <a:xfrm>
+          <a:off x="0" y="0"/>
+          <a:ext cx="0" cy="0"/>
+          <a:chOff x="0" y="0"/>
+          <a:chExt cx="0" cy="0"/>
+        </a:xfrm>
+      </p:grpSpPr>
       <p:pic>
         <p:nvPicPr>
           <p:cNvPr id="4" name="Picture 3"/>
@@ -3001,6 +3133,58 @@
           </a:prstGeom>
         </p:spPr>
       </p:pic>
+      <p:sp>
+        <p:nvSpPr>
+          <p:cNvPr id="3" name="TextBox 2"/>
+          <p:cNvSpPr txBox="1"/>
+          <p:nvPr/>
+        </p:nvSpPr>
+        <p:spPr>
+          <a:xfrm>
+            <a:off x="9499600" y="6370135"/>
+            <a:ext cx="2692400" cy="338554"/>
+          </a:xfrm>
+          <a:prstGeom prst="rect">
+            <a:avLst/>
+          </a:prstGeom>
+          <a:noFill/>
+        </p:spPr>
+        <p:txBody>
+          <a:bodyPr wrap="square" rtlCol="0">
+            <a:spAutoFit/>
+          </a:bodyPr>
+          <a:lstStyle/>
+          <a:p>
+            <a:r>
+              <a:rPr lang="en-US" sz="1600" dirty="0" err="1">
+                <a:solidFill>
+                  <a:schemeClr val="tx1">
+                    <a:alpha val="30000"/>
+                  </a:schemeClr>
+                </a:solidFill>
+              </a:rPr>
+              <a:t>d</a:t>
+            </a:r>
+            <a:r>
+              <a:rPr lang="en-US" sz="1600" dirty="0" err="1" smtClean="0">
+                <a:solidFill>
+                  <a:schemeClr val="tx1">
+                    <a:alpha val="30000"/>
+                  </a:schemeClr>
+                </a:solidFill>
+              </a:rPr>
+              <a:t>eterminantsofhealth.org</a:t>
+            </a:r>
+            <a:endParaRPr lang="en-US" sz="1600" dirty="0">
+              <a:solidFill>
+                <a:schemeClr val="tx1">
+                  <a:alpha val="30000"/>
+                </a:schemeClr>
+              </a:solidFill>
+            </a:endParaRPr>
+          </a:p>
+        </p:txBody>
+      </p:sp>
     </p:spTree>
     <p:extLst>
       <p:ext uri="{BB962C8B-B14F-4D97-AF65-F5344CB8AC3E}">
@@ -3014,7 +3198,7 @@
 </p:sld>
 </file>
 
-<file path=ppt/slides/slide2.xml><?xml version="1.0" encoding="utf-8"?>
+<file path=ppt/slides/slide3.xml><?xml version="1.0" encoding="utf-8"?>
 <p:sld xmlns:a="http://schemas.openxmlformats.org/drawingml/2006/main" xmlns:r="http://schemas.openxmlformats.org/officeDocument/2006/relationships" xmlns:p="http://schemas.openxmlformats.org/presentationml/2006/main">
   <p:cSld>
     <p:spTree>
@@ -3074,7 +3258,7 @@
 </p:sld>
 </file>
 
-<file path=ppt/slides/slide3.xml><?xml version="1.0" encoding="utf-8"?>
+<file path=ppt/slides/slide4.xml><?xml version="1.0" encoding="utf-8"?>
 <p:sld xmlns:a="http://schemas.openxmlformats.org/drawingml/2006/main" xmlns:r="http://schemas.openxmlformats.org/officeDocument/2006/relationships" xmlns:p="http://schemas.openxmlformats.org/presentationml/2006/main">
   <p:cSld>
     <p:spTree>
@@ -3121,6 +3305,58 @@
           </a:prstGeom>
         </p:spPr>
       </p:pic>
+      <p:sp>
+        <p:nvSpPr>
+          <p:cNvPr id="3" name="TextBox 2"/>
+          <p:cNvSpPr txBox="1"/>
+          <p:nvPr/>
+        </p:nvSpPr>
+        <p:spPr>
+          <a:xfrm>
+            <a:off x="9499600" y="6370135"/>
+            <a:ext cx="2692400" cy="338554"/>
+          </a:xfrm>
+          <a:prstGeom prst="rect">
+            <a:avLst/>
+          </a:prstGeom>
+          <a:noFill/>
+        </p:spPr>
+        <p:txBody>
+          <a:bodyPr wrap="square" rtlCol="0">
+            <a:spAutoFit/>
+          </a:bodyPr>
+          <a:lstStyle/>
+          <a:p>
+            <a:r>
+              <a:rPr lang="en-US" sz="1600" dirty="0" err="1">
+                <a:solidFill>
+                  <a:schemeClr val="tx1">
+                    <a:alpha val="30000"/>
+                  </a:schemeClr>
+                </a:solidFill>
+              </a:rPr>
+              <a:t>d</a:t>
+            </a:r>
+            <a:r>
+              <a:rPr lang="en-US" sz="1600" dirty="0" err="1" smtClean="0">
+                <a:solidFill>
+                  <a:schemeClr val="tx1">
+                    <a:alpha val="30000"/>
+                  </a:schemeClr>
+                </a:solidFill>
+              </a:rPr>
+              <a:t>eterminantsofhealth.org</a:t>
+            </a:r>
+            <a:endParaRPr lang="en-US" sz="1600" dirty="0">
+              <a:solidFill>
+                <a:schemeClr val="tx1">
+                  <a:alpha val="30000"/>
+                </a:schemeClr>
+              </a:solidFill>
+            </a:endParaRPr>
+          </a:p>
+        </p:txBody>
+      </p:sp>
     </p:spTree>
     <p:extLst>
       <p:ext uri="{BB962C8B-B14F-4D97-AF65-F5344CB8AC3E}">
